--- a/Module 4 final project.pptx
+++ b/Module 4 final project.pptx
@@ -265,7 +265,7 @@
           <a:p>
             <a:fld id="{E7A16DD1-5F77-46E7-9744-79AE2B702769}" type="datetimeFigureOut">
               <a:rPr lang="en-US" smtClean="0"/>
-              <a:t>4/17/2022</a:t>
+              <a:t>4/21/2022</a:t>
             </a:fld>
             <a:endParaRPr lang="en-US"/>
           </a:p>
@@ -463,7 +463,7 @@
           <a:p>
             <a:fld id="{E7A16DD1-5F77-46E7-9744-79AE2B702769}" type="datetimeFigureOut">
               <a:rPr lang="en-US" smtClean="0"/>
-              <a:t>4/17/2022</a:t>
+              <a:t>4/21/2022</a:t>
             </a:fld>
             <a:endParaRPr lang="en-US"/>
           </a:p>
@@ -671,7 +671,7 @@
           <a:p>
             <a:fld id="{E7A16DD1-5F77-46E7-9744-79AE2B702769}" type="datetimeFigureOut">
               <a:rPr lang="en-US" smtClean="0"/>
-              <a:t>4/17/2022</a:t>
+              <a:t>4/21/2022</a:t>
             </a:fld>
             <a:endParaRPr lang="en-US"/>
           </a:p>
@@ -869,7 +869,7 @@
           <a:p>
             <a:fld id="{E7A16DD1-5F77-46E7-9744-79AE2B702769}" type="datetimeFigureOut">
               <a:rPr lang="en-US" smtClean="0"/>
-              <a:t>4/17/2022</a:t>
+              <a:t>4/21/2022</a:t>
             </a:fld>
             <a:endParaRPr lang="en-US"/>
           </a:p>
@@ -1144,7 +1144,7 @@
           <a:p>
             <a:fld id="{E7A16DD1-5F77-46E7-9744-79AE2B702769}" type="datetimeFigureOut">
               <a:rPr lang="en-US" smtClean="0"/>
-              <a:t>4/17/2022</a:t>
+              <a:t>4/21/2022</a:t>
             </a:fld>
             <a:endParaRPr lang="en-US"/>
           </a:p>
@@ -1409,7 +1409,7 @@
           <a:p>
             <a:fld id="{E7A16DD1-5F77-46E7-9744-79AE2B702769}" type="datetimeFigureOut">
               <a:rPr lang="en-US" smtClean="0"/>
-              <a:t>4/17/2022</a:t>
+              <a:t>4/21/2022</a:t>
             </a:fld>
             <a:endParaRPr lang="en-US"/>
           </a:p>
@@ -1821,7 +1821,7 @@
           <a:p>
             <a:fld id="{E7A16DD1-5F77-46E7-9744-79AE2B702769}" type="datetimeFigureOut">
               <a:rPr lang="en-US" smtClean="0"/>
-              <a:t>4/17/2022</a:t>
+              <a:t>4/21/2022</a:t>
             </a:fld>
             <a:endParaRPr lang="en-US"/>
           </a:p>
@@ -1962,7 +1962,7 @@
           <a:p>
             <a:fld id="{E7A16DD1-5F77-46E7-9744-79AE2B702769}" type="datetimeFigureOut">
               <a:rPr lang="en-US" smtClean="0"/>
-              <a:t>4/17/2022</a:t>
+              <a:t>4/21/2022</a:t>
             </a:fld>
             <a:endParaRPr lang="en-US"/>
           </a:p>
@@ -2075,7 +2075,7 @@
           <a:p>
             <a:fld id="{E7A16DD1-5F77-46E7-9744-79AE2B702769}" type="datetimeFigureOut">
               <a:rPr lang="en-US" smtClean="0"/>
-              <a:t>4/17/2022</a:t>
+              <a:t>4/21/2022</a:t>
             </a:fld>
             <a:endParaRPr lang="en-US"/>
           </a:p>
@@ -2386,7 +2386,7 @@
           <a:p>
             <a:fld id="{E7A16DD1-5F77-46E7-9744-79AE2B702769}" type="datetimeFigureOut">
               <a:rPr lang="en-US" smtClean="0"/>
-              <a:t>4/17/2022</a:t>
+              <a:t>4/21/2022</a:t>
             </a:fld>
             <a:endParaRPr lang="en-US"/>
           </a:p>
@@ -2674,7 +2674,7 @@
           <a:p>
             <a:fld id="{E7A16DD1-5F77-46E7-9744-79AE2B702769}" type="datetimeFigureOut">
               <a:rPr lang="en-US" smtClean="0"/>
-              <a:t>4/17/2022</a:t>
+              <a:t>4/21/2022</a:t>
             </a:fld>
             <a:endParaRPr lang="en-US"/>
           </a:p>
@@ -2915,7 +2915,7 @@
           <a:p>
             <a:fld id="{E7A16DD1-5F77-46E7-9744-79AE2B702769}" type="datetimeFigureOut">
               <a:rPr lang="en-US" smtClean="0"/>
-              <a:t>4/17/2022</a:t>
+              <a:t>4/21/2022</a:t>
             </a:fld>
             <a:endParaRPr lang="en-US"/>
           </a:p>
@@ -3603,31 +3603,6 @@
       </p:grpSpPr>
       <p:sp>
         <p:nvSpPr>
-          <p:cNvPr id="2" name="Title 1">
-            <a:extLst>
-              <a:ext uri="{FF2B5EF4-FFF2-40B4-BE49-F238E27FC236}">
-                <a16:creationId xmlns:a16="http://schemas.microsoft.com/office/drawing/2014/main" id="{7831F3A4-DE51-45DB-B06A-44AA0D969508}"/>
-              </a:ext>
-            </a:extLst>
-          </p:cNvPr>
-          <p:cNvSpPr>
-            <a:spLocks noGrp="1"/>
-          </p:cNvSpPr>
-          <p:nvPr>
-            <p:ph type="title"/>
-          </p:nvPr>
-        </p:nvSpPr>
-        <p:spPr/>
-        <p:txBody>
-          <a:bodyPr/>
-          <a:lstStyle/>
-          <a:p>
-            <a:endParaRPr lang="en-US"/>
-          </a:p>
-        </p:txBody>
-      </p:sp>
-      <p:sp>
-        <p:nvSpPr>
           <p:cNvPr id="3" name="Content Placeholder 2">
             <a:extLst>
               <a:ext uri="{FF2B5EF4-FFF2-40B4-BE49-F238E27FC236}">
@@ -3642,7 +3617,12 @@
             <p:ph idx="1"/>
           </p:nvPr>
         </p:nvSpPr>
-        <p:spPr/>
+        <p:spPr>
+          <a:xfrm>
+            <a:off x="838200" y="1066500"/>
+            <a:ext cx="10515600" cy="4351338"/>
+          </a:xfrm>
+        </p:spPr>
         <p:txBody>
           <a:bodyPr>
             <a:normAutofit fontScale="92500" lnSpcReduction="20000"/>
@@ -3662,87 +3642,66 @@
             </a:r>
           </a:p>
           <a:p>
-            <a:pPr algn="l">
-              <a:buFont typeface="+mj-lt"/>
-              <a:buAutoNum type="arabicPeriod"/>
+            <a:pPr marL="0" indent="0">
+              <a:buNone/>
             </a:pPr>
             <a:r>
-              <a:rPr lang="en-US" b="0" i="0" dirty="0">
-                <a:solidFill>
-                  <a:srgbClr val="404040"/>
-                </a:solidFill>
-                <a:effectLst/>
-                <a:latin typeface="Lora" pitchFamily="2" charset="0"/>
-              </a:rPr>
-              <a:t>Downscaling the data set by randomly choosing 20% of the original training and testing images to the new data_org_subset folder. Make a new folder of validation and random select 5% of the images from training folder.</a:t>
-            </a:r>
-          </a:p>
-          <a:p>
-            <a:pPr algn="l">
-              <a:buFont typeface="+mj-lt"/>
-              <a:buAutoNum type="arabicPeriod"/>
+              <a:rPr lang="en-US" dirty="0"/>
+              <a:t>1. Downscaling the data set by randomly choosing 20% of the initial training and testing images to the new </a:t>
+            </a:r>
+            <a:r>
+              <a:rPr lang="en-US" dirty="0" err="1"/>
+              <a:t>data_org_subset</a:t>
+            </a:r>
+            <a:r>
+              <a:rPr lang="en-US" dirty="0"/>
+              <a:t> folder. Make a new validation folder and randomly select 5% of the pictures from the training folder.</a:t>
+            </a:r>
+          </a:p>
+          <a:p>
+            <a:pPr marL="0" indent="0">
+              <a:buNone/>
             </a:pPr>
             <a:r>
-              <a:rPr lang="en-US" b="0" i="0" dirty="0">
-                <a:solidFill>
-                  <a:srgbClr val="404040"/>
-                </a:solidFill>
-                <a:effectLst/>
-                <a:latin typeface="Lora" pitchFamily="2" charset="0"/>
-              </a:rPr>
-              <a:t>Define the train generator, validation generator and test generator.</a:t>
-            </a:r>
-          </a:p>
-          <a:p>
-            <a:pPr algn="l">
-              <a:buFont typeface="+mj-lt"/>
-              <a:buAutoNum type="arabicPeriod"/>
+              <a:rPr lang="en-US" dirty="0"/>
+              <a:t>2. Define the trained generator, validation generator, and test generator.</a:t>
+            </a:r>
+          </a:p>
+          <a:p>
+            <a:pPr marL="0" indent="0">
+              <a:buNone/>
             </a:pPr>
             <a:r>
-              <a:rPr lang="en-US" b="0" i="0" dirty="0">
-                <a:solidFill>
-                  <a:srgbClr val="404040"/>
-                </a:solidFill>
-                <a:effectLst/>
-                <a:latin typeface="Lora" pitchFamily="2" charset="0"/>
-              </a:rPr>
-              <a:t>Build the deep learning model base on the pretrained CNN (VGG19) by adding a few fully connected layers. Train the model with selected images.</a:t>
-            </a:r>
-          </a:p>
-          <a:p>
-            <a:pPr algn="l">
-              <a:buFont typeface="+mj-lt"/>
-              <a:buAutoNum type="arabicPeriod"/>
+              <a:rPr lang="en-US" dirty="0"/>
+              <a:t>3. Build a baseline model.</a:t>
+            </a:r>
+          </a:p>
+          <a:p>
+            <a:pPr marL="0" indent="0">
+              <a:buNone/>
             </a:pPr>
             <a:r>
-              <a:rPr lang="en-US" b="0" i="0" dirty="0">
-                <a:solidFill>
-                  <a:srgbClr val="404040"/>
-                </a:solidFill>
-                <a:effectLst/>
-                <a:latin typeface="Lora" pitchFamily="2" charset="0"/>
-              </a:rPr>
-              <a:t>Retrain the model with full training data.</a:t>
-            </a:r>
-          </a:p>
-          <a:p>
-            <a:pPr algn="l">
-              <a:buFont typeface="+mj-lt"/>
-              <a:buAutoNum type="arabicPeriod"/>
+              <a:rPr lang="en-US" dirty="0"/>
+              <a:t>4. Build the deep learning model base on the Pretrained CNN (VGG19) by adding a few fully connected layers. Then, train the model with selected images.</a:t>
+            </a:r>
+          </a:p>
+          <a:p>
+            <a:pPr marL="0" indent="0">
+              <a:buNone/>
             </a:pPr>
             <a:r>
-              <a:rPr lang="en-US" b="0" i="0" dirty="0">
-                <a:solidFill>
-                  <a:srgbClr val="404040"/>
-                </a:solidFill>
-                <a:effectLst/>
-                <a:latin typeface="Lora" pitchFamily="2" charset="0"/>
-              </a:rPr>
-              <a:t>Evaluate the model with the test images.</a:t>
-            </a:r>
-          </a:p>
-          <a:p>
-            <a:endParaRPr lang="en-US" dirty="0"/>
+              <a:rPr lang="en-US" dirty="0"/>
+              <a:t>5. Retrain the model with complete training data. </a:t>
+            </a:r>
+          </a:p>
+          <a:p>
+            <a:pPr marL="0" indent="0">
+              <a:buNone/>
+            </a:pPr>
+            <a:r>
+              <a:rPr lang="en-US" dirty="0"/>
+              <a:t>6. Evaluate the model with the test images.</a:t>
+            </a:r>
           </a:p>
         </p:txBody>
       </p:sp>
@@ -3828,7 +3787,7 @@
         </p:blipFill>
         <p:spPr>
           <a:xfrm>
-            <a:off x="5797134" y="1943632"/>
+            <a:off x="5935157" y="1883247"/>
             <a:ext cx="4574363" cy="3365180"/>
           </a:xfrm>
           <a:prstGeom prst="rect">
@@ -3836,48 +3795,6 @@
           </a:prstGeom>
         </p:spPr>
       </p:pic>
-      <p:sp>
-        <p:nvSpPr>
-          <p:cNvPr id="13" name="TextBox 12">
-            <a:extLst>
-              <a:ext uri="{FF2B5EF4-FFF2-40B4-BE49-F238E27FC236}">
-                <a16:creationId xmlns:a16="http://schemas.microsoft.com/office/drawing/2014/main" id="{747F1BE8-36EE-4540-9044-BBDB28D2EC23}"/>
-              </a:ext>
-            </a:extLst>
-          </p:cNvPr>
-          <p:cNvSpPr txBox="1"/>
-          <p:nvPr/>
-        </p:nvSpPr>
-        <p:spPr>
-          <a:xfrm>
-            <a:off x="6768353" y="5600286"/>
-            <a:ext cx="6096000" cy="369332"/>
-          </a:xfrm>
-          <a:prstGeom prst="rect">
-            <a:avLst/>
-          </a:prstGeom>
-          <a:noFill/>
-        </p:spPr>
-        <p:txBody>
-          <a:bodyPr wrap="square">
-            <a:spAutoFit/>
-          </a:bodyPr>
-          <a:lstStyle/>
-          <a:p>
-            <a:r>
-              <a:rPr lang="en-US" b="0" i="0" dirty="0">
-                <a:solidFill>
-                  <a:srgbClr val="404040"/>
-                </a:solidFill>
-                <a:effectLst/>
-                <a:latin typeface="Lora" pitchFamily="2" charset="0"/>
-              </a:rPr>
-              <a:t>acc: 0.9750</a:t>
-            </a:r>
-            <a:endParaRPr lang="en-US" dirty="0"/>
-          </a:p>
-        </p:txBody>
-      </p:sp>
       <p:sp>
         <p:nvSpPr>
           <p:cNvPr id="14" name="TextBox 13">
@@ -3996,7 +3913,7 @@
         </p:blipFill>
         <p:spPr>
           <a:xfrm>
-            <a:off x="1671918" y="2161310"/>
+            <a:off x="1637413" y="1945650"/>
             <a:ext cx="6631596" cy="3510845"/>
           </a:xfrm>
         </p:spPr>
